--- a/JavaDesignPattern/Notes/StructuralDesignPattern.pptx
+++ b/JavaDesignPattern/Notes/StructuralDesignPattern.pptx
@@ -263,7 +263,7 @@
           <a:p>
             <a:fld id="{0C4F4E86-B607-4661-9D81-A8AC4302DE08}" type="datetimeFigureOut">
               <a:rPr lang="en-US" smtClean="0"/>
-              <a:t>5/8/2019</a:t>
+              <a:t>5/10/2019</a:t>
             </a:fld>
             <a:endParaRPr lang="en-US"/>
           </a:p>
@@ -461,7 +461,7 @@
           <a:p>
             <a:fld id="{0C4F4E86-B607-4661-9D81-A8AC4302DE08}" type="datetimeFigureOut">
               <a:rPr lang="en-US" smtClean="0"/>
-              <a:t>5/8/2019</a:t>
+              <a:t>5/10/2019</a:t>
             </a:fld>
             <a:endParaRPr lang="en-US"/>
           </a:p>
@@ -669,7 +669,7 @@
           <a:p>
             <a:fld id="{0C4F4E86-B607-4661-9D81-A8AC4302DE08}" type="datetimeFigureOut">
               <a:rPr lang="en-US" smtClean="0"/>
-              <a:t>5/8/2019</a:t>
+              <a:t>5/10/2019</a:t>
             </a:fld>
             <a:endParaRPr lang="en-US"/>
           </a:p>
@@ -867,7 +867,7 @@
           <a:p>
             <a:fld id="{0C4F4E86-B607-4661-9D81-A8AC4302DE08}" type="datetimeFigureOut">
               <a:rPr lang="en-US" smtClean="0"/>
-              <a:t>5/8/2019</a:t>
+              <a:t>5/10/2019</a:t>
             </a:fld>
             <a:endParaRPr lang="en-US"/>
           </a:p>
@@ -1142,7 +1142,7 @@
           <a:p>
             <a:fld id="{0C4F4E86-B607-4661-9D81-A8AC4302DE08}" type="datetimeFigureOut">
               <a:rPr lang="en-US" smtClean="0"/>
-              <a:t>5/8/2019</a:t>
+              <a:t>5/10/2019</a:t>
             </a:fld>
             <a:endParaRPr lang="en-US"/>
           </a:p>
@@ -1407,7 +1407,7 @@
           <a:p>
             <a:fld id="{0C4F4E86-B607-4661-9D81-A8AC4302DE08}" type="datetimeFigureOut">
               <a:rPr lang="en-US" smtClean="0"/>
-              <a:t>5/8/2019</a:t>
+              <a:t>5/10/2019</a:t>
             </a:fld>
             <a:endParaRPr lang="en-US"/>
           </a:p>
@@ -1819,7 +1819,7 @@
           <a:p>
             <a:fld id="{0C4F4E86-B607-4661-9D81-A8AC4302DE08}" type="datetimeFigureOut">
               <a:rPr lang="en-US" smtClean="0"/>
-              <a:t>5/8/2019</a:t>
+              <a:t>5/10/2019</a:t>
             </a:fld>
             <a:endParaRPr lang="en-US"/>
           </a:p>
@@ -1960,7 +1960,7 @@
           <a:p>
             <a:fld id="{0C4F4E86-B607-4661-9D81-A8AC4302DE08}" type="datetimeFigureOut">
               <a:rPr lang="en-US" smtClean="0"/>
-              <a:t>5/8/2019</a:t>
+              <a:t>5/10/2019</a:t>
             </a:fld>
             <a:endParaRPr lang="en-US"/>
           </a:p>
@@ -2073,7 +2073,7 @@
           <a:p>
             <a:fld id="{0C4F4E86-B607-4661-9D81-A8AC4302DE08}" type="datetimeFigureOut">
               <a:rPr lang="en-US" smtClean="0"/>
-              <a:t>5/8/2019</a:t>
+              <a:t>5/10/2019</a:t>
             </a:fld>
             <a:endParaRPr lang="en-US"/>
           </a:p>
@@ -2384,7 +2384,7 @@
           <a:p>
             <a:fld id="{0C4F4E86-B607-4661-9D81-A8AC4302DE08}" type="datetimeFigureOut">
               <a:rPr lang="en-US" smtClean="0"/>
-              <a:t>5/8/2019</a:t>
+              <a:t>5/10/2019</a:t>
             </a:fld>
             <a:endParaRPr lang="en-US"/>
           </a:p>
@@ -2672,7 +2672,7 @@
           <a:p>
             <a:fld id="{0C4F4E86-B607-4661-9D81-A8AC4302DE08}" type="datetimeFigureOut">
               <a:rPr lang="en-US" smtClean="0"/>
-              <a:t>5/8/2019</a:t>
+              <a:t>5/10/2019</a:t>
             </a:fld>
             <a:endParaRPr lang="en-US"/>
           </a:p>
@@ -2913,7 +2913,7 @@
           <a:p>
             <a:fld id="{0C4F4E86-B607-4661-9D81-A8AC4302DE08}" type="datetimeFigureOut">
               <a:rPr lang="en-US" smtClean="0"/>
-              <a:t>5/8/2019</a:t>
+              <a:t>5/10/2019</a:t>
             </a:fld>
             <a:endParaRPr lang="en-US"/>
           </a:p>
@@ -3437,7 +3437,7 @@
             </a:pPr>
             <a:r>
               <a:rPr lang="en-US" dirty="0"/>
-              <a:t>Façade</a:t>
+              <a:t>Facade</a:t>
             </a:r>
           </a:p>
           <a:p>
